--- a/Vendor_Boards/Great_Cow_Basic_Demo_Board/16F17556_chiprange_demonstrations/tutorials/GCBASIC_Part19_ASMs.pptx
+++ b/Vendor_Boards/Great_Cow_Basic_Demo_Board/16F17556_chiprange_demonstrations/tutorials/GCBASIC_Part19_ASMs.pptx
@@ -5,25 +5,26 @@
     <p:sldMasterId id="2147483660" r:id="rId1"/>
   </p:sldMasterIdLst>
   <p:notesMasterIdLst>
-    <p:notesMasterId r:id="rId15"/>
+    <p:notesMasterId r:id="rId16"/>
   </p:notesMasterIdLst>
   <p:handoutMasterIdLst>
-    <p:handoutMasterId r:id="rId16"/>
+    <p:handoutMasterId r:id="rId17"/>
   </p:handoutMasterIdLst>
   <p:sldIdLst>
     <p:sldId id="294" r:id="rId2"/>
     <p:sldId id="256" r:id="rId3"/>
     <p:sldId id="295" r:id="rId4"/>
-    <p:sldId id="283" r:id="rId5"/>
+    <p:sldId id="361" r:id="rId5"/>
     <p:sldId id="296" r:id="rId6"/>
     <p:sldId id="355" r:id="rId7"/>
     <p:sldId id="356" r:id="rId8"/>
     <p:sldId id="357" r:id="rId9"/>
     <p:sldId id="358" r:id="rId10"/>
     <p:sldId id="359" r:id="rId11"/>
-    <p:sldId id="288" r:id="rId12"/>
-    <p:sldId id="353" r:id="rId13"/>
-    <p:sldId id="352" r:id="rId14"/>
+    <p:sldId id="360" r:id="rId12"/>
+    <p:sldId id="288" r:id="rId13"/>
+    <p:sldId id="353" r:id="rId14"/>
+    <p:sldId id="352" r:id="rId15"/>
   </p:sldIdLst>
   <p:sldSz cx="9144000" cy="5143500" type="screen16x9"/>
   <p:notesSz cx="6858000" cy="9144000"/>
@@ -208,7 +209,7 @@
             <a:fld id="{742E545A-AB39-44F0-B5A6-04A90C6C9399}" type="datetimeFigureOut">
               <a:rPr lang="en-GB" smtClean="0"/>
               <a:pPr/>
-              <a:t>14/12/2024</a:t>
+              <a:t>25/01/2026</a:t>
             </a:fld>
             <a:endParaRPr lang="en-GB" dirty="0"/>
           </a:p>
@@ -375,7 +376,7 @@
             <a:fld id="{FF100B3C-2E11-428B-8555-A77018253716}" type="datetimeFigureOut">
               <a:rPr lang="en-GB" smtClean="0"/>
               <a:pPr/>
-              <a:t>14/12/2024</a:t>
+              <a:t>25/01/2026</a:t>
             </a:fld>
             <a:endParaRPr lang="en-GB" dirty="0"/>
           </a:p>
@@ -1375,7 +1376,7 @@
             <a:fld id="{C473AACB-D821-4991-9D88-46EB8D29E619}" type="datetimeFigureOut">
               <a:rPr lang="en-GB" smtClean="0"/>
               <a:pPr/>
-              <a:t>14/12/2024</a:t>
+              <a:t>25/01/2026</a:t>
             </a:fld>
             <a:endParaRPr lang="en-GB" dirty="0"/>
           </a:p>
@@ -1669,7 +1670,7 @@
             <a:fld id="{C473AACB-D821-4991-9D88-46EB8D29E619}" type="datetimeFigureOut">
               <a:rPr lang="en-GB" smtClean="0"/>
               <a:pPr/>
-              <a:t>14/12/2024</a:t>
+              <a:t>25/01/2026</a:t>
             </a:fld>
             <a:endParaRPr lang="en-GB" dirty="0"/>
           </a:p>
@@ -1922,7 +1923,7 @@
             <a:fld id="{C473AACB-D821-4991-9D88-46EB8D29E619}" type="datetimeFigureOut">
               <a:rPr lang="en-GB" smtClean="0"/>
               <a:pPr/>
-              <a:t>14/12/2024</a:t>
+              <a:t>25/01/2026</a:t>
             </a:fld>
             <a:endParaRPr lang="en-GB" dirty="0"/>
           </a:p>
@@ -2267,7 +2268,7 @@
             <a:fld id="{C473AACB-D821-4991-9D88-46EB8D29E619}" type="datetimeFigureOut">
               <a:rPr lang="en-GB" smtClean="0"/>
               <a:pPr/>
-              <a:t>14/12/2024</a:t>
+              <a:t>25/01/2026</a:t>
             </a:fld>
             <a:endParaRPr lang="en-GB" dirty="0"/>
           </a:p>
@@ -2639,7 +2640,7 @@
             <a:fld id="{C473AACB-D821-4991-9D88-46EB8D29E619}" type="datetimeFigureOut">
               <a:rPr lang="en-GB" smtClean="0"/>
               <a:pPr/>
-              <a:t>14/12/2024</a:t>
+              <a:t>25/01/2026</a:t>
             </a:fld>
             <a:endParaRPr lang="en-GB" dirty="0"/>
           </a:p>
@@ -2985,7 +2986,7 @@
             <a:fld id="{C473AACB-D821-4991-9D88-46EB8D29E619}" type="datetimeFigureOut">
               <a:rPr lang="en-GB" smtClean="0"/>
               <a:pPr/>
-              <a:t>14/12/2024</a:t>
+              <a:t>25/01/2026</a:t>
             </a:fld>
             <a:endParaRPr lang="en-GB" dirty="0"/>
           </a:p>
@@ -3409,7 +3410,7 @@
             <a:fld id="{C473AACB-D821-4991-9D88-46EB8D29E619}" type="datetimeFigureOut">
               <a:rPr lang="en-GB" smtClean="0"/>
               <a:pPr/>
-              <a:t>14/12/2024</a:t>
+              <a:t>25/01/2026</a:t>
             </a:fld>
             <a:endParaRPr lang="en-GB" dirty="0"/>
           </a:p>
@@ -3644,7 +3645,7 @@
             <a:fld id="{C473AACB-D821-4991-9D88-46EB8D29E619}" type="datetimeFigureOut">
               <a:rPr lang="en-GB" smtClean="0"/>
               <a:pPr/>
-              <a:t>14/12/2024</a:t>
+              <a:t>25/01/2026</a:t>
             </a:fld>
             <a:endParaRPr lang="en-GB" dirty="0"/>
           </a:p>
@@ -3855,7 +3856,7 @@
             <a:fld id="{C473AACB-D821-4991-9D88-46EB8D29E619}" type="datetimeFigureOut">
               <a:rPr lang="en-GB" smtClean="0"/>
               <a:pPr/>
-              <a:t>14/12/2024</a:t>
+              <a:t>25/01/2026</a:t>
             </a:fld>
             <a:endParaRPr lang="en-GB" dirty="0"/>
           </a:p>
@@ -4073,7 +4074,7 @@
             <a:fld id="{C473AACB-D821-4991-9D88-46EB8D29E619}" type="datetimeFigureOut">
               <a:rPr lang="en-GB" smtClean="0"/>
               <a:pPr/>
-              <a:t>14/12/2024</a:t>
+              <a:t>25/01/2026</a:t>
             </a:fld>
             <a:endParaRPr lang="en-GB" dirty="0"/>
           </a:p>
@@ -4888,7 +4889,7 @@
             <a:fld id="{C473AACB-D821-4991-9D88-46EB8D29E619}" type="datetimeFigureOut">
               <a:rPr lang="en-GB" smtClean="0"/>
               <a:pPr/>
-              <a:t>14/12/2024</a:t>
+              <a:t>25/01/2026</a:t>
             </a:fld>
             <a:endParaRPr lang="en-GB" dirty="0"/>
           </a:p>
@@ -5702,7 +5703,7 @@
             <a:fld id="{C473AACB-D821-4991-9D88-46EB8D29E619}" type="datetimeFigureOut">
               <a:rPr lang="en-GB" smtClean="0"/>
               <a:pPr/>
-              <a:t>14/12/2024</a:t>
+              <a:t>25/01/2026</a:t>
             </a:fld>
             <a:endParaRPr lang="en-GB" dirty="0"/>
           </a:p>
@@ -5951,7 +5952,7 @@
             <a:fld id="{C473AACB-D821-4991-9D88-46EB8D29E619}" type="datetimeFigureOut">
               <a:rPr lang="en-GB" smtClean="0"/>
               <a:pPr/>
-              <a:t>14/12/2024</a:t>
+              <a:t>25/01/2026</a:t>
             </a:fld>
             <a:endParaRPr lang="en-GB" dirty="0"/>
           </a:p>
@@ -6215,7 +6216,7 @@
             <a:fld id="{C473AACB-D821-4991-9D88-46EB8D29E619}" type="datetimeFigureOut">
               <a:rPr lang="en-GB" smtClean="0"/>
               <a:pPr/>
-              <a:t>14/12/2024</a:t>
+              <a:t>25/01/2026</a:t>
             </a:fld>
             <a:endParaRPr lang="en-GB" dirty="0"/>
           </a:p>
@@ -6655,7 +6656,7 @@
             <a:fld id="{C473AACB-D821-4991-9D88-46EB8D29E619}" type="datetimeFigureOut">
               <a:rPr lang="en-GB" smtClean="0"/>
               <a:pPr/>
-              <a:t>14/12/2024</a:t>
+              <a:t>25/01/2026</a:t>
             </a:fld>
             <a:endParaRPr lang="en-GB" dirty="0"/>
           </a:p>
@@ -6810,7 +6811,7 @@
             <a:fld id="{C473AACB-D821-4991-9D88-46EB8D29E619}" type="datetimeFigureOut">
               <a:rPr lang="en-GB" smtClean="0"/>
               <a:pPr/>
-              <a:t>14/12/2024</a:t>
+              <a:t>25/01/2026</a:t>
             </a:fld>
             <a:endParaRPr lang="en-GB" dirty="0"/>
           </a:p>
@@ -6907,7 +6908,7 @@
             <a:fld id="{C473AACB-D821-4991-9D88-46EB8D29E619}" type="datetimeFigureOut">
               <a:rPr lang="en-GB" smtClean="0"/>
               <a:pPr/>
-              <a:t>14/12/2024</a:t>
+              <a:t>25/01/2026</a:t>
             </a:fld>
             <a:endParaRPr lang="en-GB" dirty="0"/>
           </a:p>
@@ -7684,7 +7685,7 @@
             <a:fld id="{C473AACB-D821-4991-9D88-46EB8D29E619}" type="datetimeFigureOut">
               <a:rPr lang="en-GB" smtClean="0"/>
               <a:pPr/>
-              <a:t>14/12/2024</a:t>
+              <a:t>25/01/2026</a:t>
             </a:fld>
             <a:endParaRPr lang="en-GB" dirty="0"/>
           </a:p>
@@ -8258,14 +8259,14 @@
           <a:p>
             <a:r>
               <a:rPr lang="en-GB" dirty="0" smtClean="0"/>
-              <a:t>PIC18FxxQ24</a:t>
+              <a:t>PIC16fF175xx</a:t>
             </a:r>
           </a:p>
           <a:p>
             <a:pPr marL="538163" indent="-538163"/>
             <a:r>
               <a:rPr lang="en-GB" dirty="0" smtClean="0"/>
-              <a:t>Part 19 - Assembly , alternatives assemblers and MPLAB-X</a:t>
+              <a:t>Part 19 - Assembly , alternatives assemblers and Debugging</a:t>
             </a:r>
             <a:endParaRPr lang="en-GB" dirty="0"/>
           </a:p>
@@ -8326,7 +8327,7 @@
             <a:pPr algn="l"/>
             <a:r>
               <a:rPr lang="en-GB" dirty="0" smtClean="0"/>
-              <a:t>Lab</a:t>
+              <a:t>Lab – Pre 2026</a:t>
             </a:r>
             <a:endParaRPr lang="en-GB" dirty="0"/>
           </a:p>
@@ -8378,11 +8379,7 @@
             </a:pPr>
             <a:r>
               <a:rPr lang="en-GB" sz="1000" dirty="0" smtClean="0"/>
-              <a:t>Review the  simple LED </a:t>
-            </a:r>
-            <a:r>
-              <a:rPr lang="en-GB" sz="1000" dirty="0" smtClean="0"/>
-              <a:t>program</a:t>
+              <a:t>Review the  simple LED program</a:t>
             </a:r>
           </a:p>
           <a:p>
@@ -8516,11 +8513,7 @@
             </a:pPr>
             <a:r>
               <a:rPr lang="en-GB" sz="1000" dirty="0" smtClean="0"/>
-              <a:t>Now, add </a:t>
-            </a:r>
-            <a:r>
-              <a:rPr lang="en-GB" sz="1000" dirty="0" smtClean="0"/>
-              <a:t>the GCBASIC source file</a:t>
+              <a:t>Now, add the GCBASIC source file</a:t>
             </a:r>
           </a:p>
           <a:p>
@@ -8802,6 +8795,11 @@
           <a:bodyPr/>
           <a:lstStyle/>
           <a:p>
+            <a:pPr algn="l"/>
+            <a:r>
+              <a:rPr lang="en-GB" dirty="0" smtClean="0"/>
+              <a:t>Lab – Post 2025</a:t>
+            </a:r>
             <a:endParaRPr lang="en-GB" dirty="0"/>
           </a:p>
         </p:txBody>
@@ -8816,26 +8814,220 @@
             <p:ph idx="1"/>
           </p:nvPr>
         </p:nvSpPr>
-        <p:spPr/>
-        <p:txBody>
-          <a:bodyPr/>
+        <p:spPr>
+          <a:xfrm>
+            <a:off x="539552" y="1491630"/>
+            <a:ext cx="6447501" cy="3507854"/>
+          </a:xfrm>
+          <a:noFill/>
+        </p:spPr>
+        <p:txBody>
+          <a:bodyPr>
+            <a:noAutofit/>
+          </a:bodyPr>
           <a:lstStyle/>
           <a:p>
+            <a:pPr marL="457200" indent="-457200">
+              <a:spcBef>
+                <a:spcPts val="0"/>
+              </a:spcBef>
+              <a:buNone/>
+            </a:pPr>
+            <a:r>
+              <a:rPr lang="en-GB" sz="1200" dirty="0" smtClean="0"/>
+              <a:t>We will</a:t>
+            </a:r>
+          </a:p>
+          <a:p>
+            <a:pPr marL="457200" indent="-457200">
+              <a:spcBef>
+                <a:spcPts val="0"/>
+              </a:spcBef>
+              <a:buNone/>
+            </a:pPr>
+            <a:endParaRPr lang="en-GB" sz="1200" dirty="0" smtClean="0"/>
+          </a:p>
+          <a:p>
+            <a:pPr marL="266700" indent="-266700">
+              <a:spcBef>
+                <a:spcPts val="0"/>
+              </a:spcBef>
+              <a:buFont typeface="+mj-lt"/>
+              <a:buAutoNum type="arabicPeriod"/>
+            </a:pPr>
+            <a:r>
+              <a:rPr lang="en-GB" dirty="0" smtClean="0"/>
+              <a:t>Review the  simple LED </a:t>
+            </a:r>
+            <a:r>
+              <a:rPr lang="en-GB" dirty="0" smtClean="0"/>
+              <a:t>program</a:t>
+            </a:r>
+          </a:p>
+          <a:p>
+            <a:pPr marL="266700" indent="-266700">
+              <a:spcBef>
+                <a:spcPts val="0"/>
+              </a:spcBef>
+              <a:buFont typeface="+mj-lt"/>
+              <a:buAutoNum type="arabicPeriod"/>
+            </a:pPr>
+            <a:endParaRPr lang="en-GB" dirty="0" smtClean="0"/>
+          </a:p>
+          <a:p>
+            <a:pPr marL="266700" indent="-266700">
+              <a:spcBef>
+                <a:spcPts val="0"/>
+              </a:spcBef>
+              <a:buFont typeface="+mj-lt"/>
+              <a:buAutoNum type="arabicPeriod"/>
+            </a:pPr>
+            <a:r>
+              <a:rPr lang="en-GB" dirty="0" smtClean="0"/>
+              <a:t>Start </a:t>
+            </a:r>
+            <a:r>
+              <a:rPr lang="en-GB" dirty="0" smtClean="0"/>
+              <a:t>the GC Code PIC Debugger</a:t>
+            </a:r>
             <a:endParaRPr lang="en-GB" dirty="0"/>
           </a:p>
-        </p:txBody>
-      </p:sp>
+          <a:p>
+            <a:pPr marL="539750" lvl="1" indent="-168275">
+              <a:spcBef>
+                <a:spcPts val="0"/>
+              </a:spcBef>
+              <a:buFont typeface="+mj-lt"/>
+              <a:buAutoNum type="arabicPeriod"/>
+            </a:pPr>
+            <a:r>
+              <a:rPr lang="en-GB" sz="1400" dirty="0" smtClean="0"/>
+              <a:t>Select the debugger tool or the simulator</a:t>
+            </a:r>
+          </a:p>
+          <a:p>
+            <a:pPr marL="539750" lvl="1" indent="-168275">
+              <a:spcBef>
+                <a:spcPts val="0"/>
+              </a:spcBef>
+              <a:buFont typeface="+mj-lt"/>
+              <a:buAutoNum type="arabicPeriod"/>
+            </a:pPr>
+            <a:r>
+              <a:rPr lang="en-GB" sz="1400" dirty="0" smtClean="0"/>
+              <a:t>Use the debugger to walk the code</a:t>
+            </a:r>
+          </a:p>
+          <a:p>
+            <a:pPr marL="839787" lvl="2" indent="-168275">
+              <a:spcBef>
+                <a:spcPts val="0"/>
+              </a:spcBef>
+              <a:buFont typeface="+mj-lt"/>
+              <a:buAutoNum type="arabicPeriod"/>
+            </a:pPr>
+            <a:r>
+              <a:rPr lang="en-GB" sz="1000" dirty="0" smtClean="0"/>
+              <a:t>Source Code </a:t>
+            </a:r>
+          </a:p>
+          <a:p>
+            <a:pPr marL="839787" lvl="2" indent="-168275">
+              <a:spcBef>
+                <a:spcPts val="0"/>
+              </a:spcBef>
+              <a:buFont typeface="+mj-lt"/>
+              <a:buAutoNum type="arabicPeriod"/>
+            </a:pPr>
+            <a:r>
+              <a:rPr lang="en-GB" sz="1000" dirty="0" smtClean="0"/>
+              <a:t>Variables</a:t>
+            </a:r>
+          </a:p>
+          <a:p>
+            <a:pPr marL="839787" lvl="2" indent="-168275">
+              <a:spcBef>
+                <a:spcPts val="0"/>
+              </a:spcBef>
+              <a:buFont typeface="+mj-lt"/>
+              <a:buAutoNum type="arabicPeriod"/>
+            </a:pPr>
+            <a:r>
+              <a:rPr lang="en-GB" sz="1000" dirty="0" smtClean="0"/>
+              <a:t>Registers</a:t>
+            </a:r>
+          </a:p>
+          <a:p>
+            <a:pPr marL="839787" lvl="2" indent="-168275">
+              <a:spcBef>
+                <a:spcPts val="0"/>
+              </a:spcBef>
+              <a:buFont typeface="+mj-lt"/>
+              <a:buAutoNum type="arabicPeriod"/>
+            </a:pPr>
+            <a:endParaRPr lang="en-GB" sz="1000" dirty="0" smtClean="0"/>
+          </a:p>
+          <a:p>
+            <a:pPr marL="829354" lvl="1" indent="-457200">
+              <a:spcBef>
+                <a:spcPts val="0"/>
+              </a:spcBef>
+              <a:buFont typeface="+mj-lt"/>
+              <a:buAutoNum type="arabicPeriod"/>
+            </a:pPr>
+            <a:endParaRPr lang="en-GB" sz="800" dirty="0" smtClean="0"/>
+          </a:p>
+        </p:txBody>
+      </p:sp>
+      <p:cxnSp>
+        <p:nvCxnSpPr>
+          <p:cNvPr id="6" name="Straight Arrow Connector 5"/>
+          <p:cNvCxnSpPr/>
+          <p:nvPr/>
+        </p:nvCxnSpPr>
+        <p:spPr>
+          <a:xfrm>
+            <a:off x="6228184" y="5452070"/>
+            <a:ext cx="914400" cy="914400"/>
+          </a:xfrm>
+          <a:prstGeom prst="straightConnector1">
+            <a:avLst/>
+          </a:prstGeom>
+          <a:ln>
+            <a:tailEnd type="arrow"/>
+          </a:ln>
+        </p:spPr>
+        <p:style>
+          <a:lnRef idx="1">
+            <a:schemeClr val="accent1"/>
+          </a:lnRef>
+          <a:fillRef idx="0">
+            <a:schemeClr val="accent1"/>
+          </a:fillRef>
+          <a:effectRef idx="0">
+            <a:schemeClr val="accent1"/>
+          </a:effectRef>
+          <a:fontRef idx="minor">
+            <a:schemeClr val="tx1"/>
+          </a:fontRef>
+        </p:style>
+      </p:cxnSp>
     </p:spTree>
+    <p:extLst>
+      <p:ext uri="{BB962C8B-B14F-4D97-AF65-F5344CB8AC3E}">
+        <p14:creationId xmlns:p14="http://schemas.microsoft.com/office/powerpoint/2010/main" val="898147571"/>
+      </p:ext>
+    </p:extLst>
   </p:cSld>
   <p:clrMapOvr>
     <a:masterClrMapping/>
   </p:clrMapOvr>
   <mc:AlternateContent xmlns:mc="http://schemas.openxmlformats.org/markup-compatibility/2006" xmlns:p14="http://schemas.microsoft.com/office/powerpoint/2010/main">
     <mc:Choice Requires="p14">
-      <p:transition spd="slow" p14:dur="2000"/>
+      <p:transition spd="slow" p14:dur="2000" advClick="0"/>
     </mc:Choice>
     <mc:Fallback xmlns="">
-      <p:transition spd="slow"/>
+      <p:transition spd="slow" advClick="0"/>
     </mc:Fallback>
   </mc:AlternateContent>
   <p:timing>
@@ -8877,15 +9069,9 @@
         </p:nvSpPr>
         <p:spPr/>
         <p:txBody>
-          <a:bodyPr>
-            <a:normAutofit/>
-          </a:bodyPr>
+          <a:bodyPr/>
           <a:lstStyle/>
           <a:p>
-            <a:r>
-              <a:rPr lang="en-GB" dirty="0" smtClean="0"/>
-              <a:t>Videos...</a:t>
-            </a:r>
             <a:endParaRPr lang="en-GB" dirty="0"/>
           </a:p>
         </p:txBody>
@@ -8900,405 +9086,16 @@
             <p:ph idx="1"/>
           </p:nvPr>
         </p:nvSpPr>
-        <p:spPr>
-          <a:xfrm>
-            <a:off x="467544" y="987574"/>
-            <a:ext cx="6447501" cy="4111476"/>
-          </a:xfrm>
-          <a:solidFill>
-            <a:schemeClr val="bg1"/>
-          </a:solidFill>
-        </p:spPr>
-        <p:txBody>
-          <a:bodyPr>
-            <a:noAutofit/>
-          </a:bodyPr>
+        <p:spPr/>
+        <p:txBody>
+          <a:bodyPr/>
           <a:lstStyle/>
           <a:p>
-            <a:pPr marL="180000" indent="-478483">
-              <a:spcBef>
-                <a:spcPts val="300"/>
-              </a:spcBef>
-              <a:buFont typeface="+mj-lt"/>
-              <a:buAutoNum type="arabicPeriod"/>
-            </a:pPr>
-            <a:r>
-              <a:rPr lang="en-GB" sz="1100" dirty="0"/>
-              <a:t>Install the hardware and make the board work – three LED programs</a:t>
-            </a:r>
-          </a:p>
-          <a:p>
-            <a:pPr marL="180000" indent="-478483">
-              <a:spcBef>
-                <a:spcPts val="300"/>
-              </a:spcBef>
-              <a:buFont typeface="+mj-lt"/>
-              <a:buAutoNum type="arabicPeriod"/>
-            </a:pPr>
-            <a:r>
-              <a:rPr lang="en-GB" sz="1100" dirty="0"/>
-              <a:t>Make  four LEDs flash in a sequence</a:t>
-            </a:r>
-          </a:p>
-          <a:p>
-            <a:pPr marL="180000" indent="-478483">
-              <a:spcBef>
-                <a:spcPts val="300"/>
-              </a:spcBef>
-              <a:buFont typeface="+mj-lt"/>
-              <a:buAutoNum type="arabicPeriod"/>
-            </a:pPr>
-            <a:r>
-              <a:rPr lang="en-GB" sz="1100" dirty="0"/>
-              <a:t>Set the LEDs to represent the value of ADC</a:t>
-            </a:r>
-          </a:p>
-          <a:p>
-            <a:pPr marL="180000" indent="-478483">
-              <a:spcBef>
-                <a:spcPts val="300"/>
-              </a:spcBef>
-              <a:buFont typeface="+mj-lt"/>
-              <a:buAutoNum type="arabicPeriod"/>
-            </a:pPr>
-            <a:r>
-              <a:rPr lang="en-GB" sz="1100" dirty="0"/>
-              <a:t>Sequence the LEDs with a delay using the value of ADC</a:t>
-            </a:r>
-          </a:p>
-          <a:p>
-            <a:pPr marL="180000" indent="-478483">
-              <a:spcBef>
-                <a:spcPts val="300"/>
-              </a:spcBef>
-              <a:buFont typeface="+mj-lt"/>
-              <a:buAutoNum type="arabicPeriod"/>
-            </a:pPr>
-            <a:r>
-              <a:rPr lang="en-GB" sz="1100" dirty="0"/>
-              <a:t>Using an input to set the state of the LEDs</a:t>
-            </a:r>
-          </a:p>
-          <a:p>
-            <a:pPr marL="180000" indent="-478483">
-              <a:spcBef>
-                <a:spcPts val="300"/>
-              </a:spcBef>
-              <a:buFont typeface="+mj-lt"/>
-              <a:buAutoNum type="arabicPeriod"/>
-            </a:pPr>
-            <a:r>
-              <a:rPr lang="en-GB" sz="1100" dirty="0"/>
-              <a:t>Using the reset switch</a:t>
-            </a:r>
-          </a:p>
-          <a:p>
-            <a:pPr marL="180000" indent="-478483">
-              <a:spcBef>
-                <a:spcPts val="300"/>
-              </a:spcBef>
-              <a:buFont typeface="+mj-lt"/>
-              <a:buAutoNum type="arabicPeriod"/>
-            </a:pPr>
-            <a:r>
-              <a:rPr lang="en-GB" sz="1100" dirty="0"/>
-              <a:t>Using the switch, ADC – make the LEDs flash in a sequence with reverse</a:t>
-            </a:r>
-          </a:p>
-          <a:p>
-            <a:pPr marL="180000" indent="-478483">
-              <a:spcBef>
-                <a:spcPts val="300"/>
-              </a:spcBef>
-              <a:buFont typeface="+mj-lt"/>
-              <a:buAutoNum type="arabicPeriod"/>
-            </a:pPr>
-            <a:r>
-              <a:rPr lang="en-GB" sz="1100" dirty="0"/>
-              <a:t>Using the serial to display values</a:t>
-            </a:r>
-          </a:p>
-          <a:p>
-            <a:pPr marL="180000" indent="-478483">
-              <a:spcBef>
-                <a:spcPts val="300"/>
-              </a:spcBef>
-              <a:buFont typeface="+mj-lt"/>
-              <a:buAutoNum type="arabicPeriod"/>
-            </a:pPr>
-            <a:r>
-              <a:rPr lang="en-GB" sz="1100" dirty="0"/>
-              <a:t>Using the </a:t>
-            </a:r>
-            <a:r>
-              <a:rPr lang="en-GB" sz="1100" dirty="0" smtClean="0"/>
-              <a:t>timer0 </a:t>
-            </a:r>
-            <a:r>
-              <a:rPr lang="en-GB" sz="1100" dirty="0"/>
-              <a:t>overflow, 8bit timer, 16bit timer to flash the LEDs</a:t>
-            </a:r>
-          </a:p>
-          <a:p>
-            <a:pPr marL="180000" indent="-478483">
-              <a:spcBef>
-                <a:spcPts val="300"/>
-              </a:spcBef>
-              <a:buFont typeface="+mj-lt"/>
-              <a:buAutoNum type="arabicPeriod"/>
-            </a:pPr>
-            <a:r>
-              <a:rPr lang="en-GB" sz="1100" dirty="0"/>
-              <a:t>Using EEProm – showing values on the serial terminal, and more constants insights</a:t>
-            </a:r>
-          </a:p>
-          <a:p>
-            <a:pPr marL="180000" indent="-478483">
-              <a:spcBef>
-                <a:spcPts val="300"/>
-              </a:spcBef>
-              <a:buFont typeface="+mj-lt"/>
-              <a:buAutoNum type="arabicPeriod"/>
-            </a:pPr>
-            <a:r>
-              <a:rPr lang="en-GB" sz="1100" dirty="0"/>
-              <a:t>Using I2C with serial to discover I2C devices</a:t>
-            </a:r>
-          </a:p>
-          <a:p>
-            <a:pPr marL="180000" indent="-478483">
-              <a:spcBef>
-                <a:spcPts val="300"/>
-              </a:spcBef>
-              <a:buFont typeface="+mj-lt"/>
-              <a:buAutoNum type="arabicPeriod"/>
-            </a:pPr>
-            <a:r>
-              <a:rPr lang="en-GB" sz="1100" dirty="0"/>
-              <a:t>Using </a:t>
-            </a:r>
-            <a:r>
-              <a:rPr lang="en-GB" sz="1100" dirty="0" smtClean="0"/>
-              <a:t>I2C </a:t>
-            </a:r>
-            <a:r>
-              <a:rPr lang="en-GB" sz="1100" dirty="0"/>
-              <a:t>GCLD </a:t>
-            </a:r>
-            <a:r>
-              <a:rPr lang="en-GB" sz="1100" dirty="0" smtClean="0"/>
-              <a:t>display solutions</a:t>
-            </a:r>
-            <a:endParaRPr lang="en-GB" sz="1100" dirty="0"/>
-          </a:p>
-          <a:p>
-            <a:pPr marL="180000" indent="-478483">
-              <a:spcBef>
-                <a:spcPts val="300"/>
-              </a:spcBef>
-              <a:buFont typeface="+mj-lt"/>
-              <a:buAutoNum type="arabicPeriod"/>
-            </a:pPr>
-            <a:r>
-              <a:rPr lang="en-GB" sz="1100" dirty="0"/>
-              <a:t>Using a </a:t>
-            </a:r>
-            <a:r>
-              <a:rPr lang="en-GB" sz="1100" dirty="0" smtClean="0"/>
-              <a:t>SPI GLCD  display solutions</a:t>
-            </a:r>
-            <a:endParaRPr lang="en-GB" sz="1100" dirty="0"/>
-          </a:p>
-          <a:p>
-            <a:pPr marL="180000" indent="-478483">
-              <a:spcBef>
-                <a:spcPts val="300"/>
-              </a:spcBef>
-              <a:buFont typeface="+mj-lt"/>
-              <a:buAutoNum type="arabicPeriod"/>
-            </a:pPr>
-            <a:r>
-              <a:rPr lang="en-GB" sz="1100" dirty="0"/>
-              <a:t>Using PWM, </a:t>
-            </a:r>
-            <a:r>
-              <a:rPr lang="en-GB" sz="1100" dirty="0" smtClean="0"/>
-              <a:t>6  </a:t>
-            </a:r>
-            <a:r>
-              <a:rPr lang="en-GB" sz="1100" dirty="0"/>
-              <a:t>ways,  to dim the LEDS</a:t>
-            </a:r>
-          </a:p>
-          <a:p>
-            <a:pPr marL="180000" indent="-478483">
-              <a:spcBef>
-                <a:spcPts val="300"/>
-              </a:spcBef>
-              <a:buFont typeface="+mj-lt"/>
-              <a:buAutoNum type="arabicPeriod"/>
-            </a:pPr>
-            <a:r>
-              <a:rPr lang="en-GB" sz="1100" dirty="0"/>
-              <a:t>Using an external interrupt to control an LED</a:t>
-            </a:r>
-          </a:p>
-          <a:p>
-            <a:pPr marL="180000" indent="-478483">
-              <a:spcBef>
-                <a:spcPts val="300"/>
-              </a:spcBef>
-              <a:buFont typeface="+mj-lt"/>
-              <a:buAutoNum type="arabicPeriod"/>
-            </a:pPr>
-            <a:r>
-              <a:rPr lang="en-GB" sz="1100" dirty="0"/>
-              <a:t>Using storage within the </a:t>
-            </a:r>
-            <a:r>
-              <a:rPr lang="en-GB" sz="1100" dirty="0" smtClean="0"/>
-              <a:t>chip</a:t>
-            </a:r>
-          </a:p>
-          <a:p>
-            <a:pPr marL="180000" indent="-478483">
-              <a:spcBef>
-                <a:spcPts val="300"/>
-              </a:spcBef>
-              <a:buFont typeface="+mj-lt"/>
-              <a:buAutoNum type="arabicPeriod"/>
-            </a:pPr>
-            <a:r>
-              <a:rPr lang="en-GB" sz="1100" dirty="0" smtClean="0"/>
-              <a:t>Using </a:t>
-            </a:r>
-            <a:r>
-              <a:rPr lang="en-GB" sz="1100" dirty="0"/>
-              <a:t>CLC</a:t>
-            </a:r>
-          </a:p>
-          <a:p>
-            <a:pPr marL="180000" indent="-478483">
-              <a:spcBef>
-                <a:spcPts val="300"/>
-              </a:spcBef>
-              <a:buFont typeface="+mj-lt"/>
-              <a:buAutoNum type="arabicPeriod"/>
-            </a:pPr>
-            <a:r>
-              <a:rPr lang="en-GB" sz="1100" dirty="0"/>
-              <a:t>The GCBASIC tool chain</a:t>
-            </a:r>
-          </a:p>
-          <a:p>
-            <a:pPr marL="180000" indent="-478483">
-              <a:spcBef>
-                <a:spcPts val="300"/>
-              </a:spcBef>
-              <a:buFont typeface="+mj-lt"/>
-              <a:buAutoNum type="arabicPeriod"/>
-            </a:pPr>
-            <a:r>
-              <a:rPr lang="en-GB" sz="1100" dirty="0"/>
-              <a:t>Assembly , alternatives assemblers and MPLAB-X</a:t>
-            </a:r>
-          </a:p>
-          <a:p>
-            <a:pPr marL="180000" indent="-478483">
-              <a:spcBef>
-                <a:spcPts val="300"/>
-              </a:spcBef>
-              <a:buFont typeface="+mj-lt"/>
-              <a:buAutoNum type="arabicPeriod"/>
-            </a:pPr>
-            <a:r>
-              <a:rPr lang="en-GB" sz="1100" b="1" dirty="0"/>
-              <a:t>Summary</a:t>
-            </a:r>
-          </a:p>
-          <a:p>
-            <a:pPr marL="180000" indent="-478483">
-              <a:spcBef>
-                <a:spcPts val="300"/>
-              </a:spcBef>
-              <a:buFont typeface="+mj-lt"/>
-              <a:buAutoNum type="arabicPeriod"/>
-            </a:pPr>
-            <a:endParaRPr lang="en-GB" sz="400" dirty="0" smtClean="0">
-              <a:solidFill>
-                <a:schemeClr val="bg1">
-                  <a:lumMod val="75000"/>
-                </a:schemeClr>
-              </a:solidFill>
-            </a:endParaRPr>
-          </a:p>
-          <a:p>
-            <a:pPr marL="180000" indent="-478483">
-              <a:spcBef>
-                <a:spcPts val="300"/>
-              </a:spcBef>
-              <a:buNone/>
-            </a:pPr>
-            <a:endParaRPr lang="en-GB" sz="700" dirty="0" smtClean="0"/>
-          </a:p>
-          <a:p>
-            <a:pPr marL="180000" indent="-478483">
-              <a:spcBef>
-                <a:spcPts val="300"/>
-              </a:spcBef>
-              <a:buFont typeface="+mj-lt"/>
-              <a:buAutoNum type="arabicPeriod"/>
-            </a:pPr>
-            <a:endParaRPr lang="en-GB" sz="700" dirty="0" smtClean="0"/>
-          </a:p>
-          <a:p>
-            <a:pPr marL="180000" indent="-478483">
-              <a:spcBef>
-                <a:spcPts val="300"/>
-              </a:spcBef>
-              <a:buFont typeface="+mj-lt"/>
-              <a:buAutoNum type="arabicPeriod"/>
-            </a:pPr>
-            <a:endParaRPr lang="en-GB" sz="500" dirty="0" smtClean="0"/>
-          </a:p>
-          <a:p>
-            <a:pPr marL="180000" indent="-478483">
-              <a:spcBef>
-                <a:spcPts val="300"/>
-              </a:spcBef>
-              <a:buFont typeface="+mj-lt"/>
-              <a:buAutoNum type="arabicPeriod"/>
-            </a:pPr>
-            <a:endParaRPr lang="en-GB" sz="500" dirty="0" smtClean="0"/>
-          </a:p>
-          <a:p>
-            <a:pPr marL="180000" indent="-478483">
-              <a:spcBef>
-                <a:spcPts val="300"/>
-              </a:spcBef>
-              <a:buFont typeface="+mj-lt"/>
-              <a:buAutoNum type="arabicPeriod"/>
-            </a:pPr>
-            <a:endParaRPr lang="en-GB" sz="500" dirty="0" smtClean="0"/>
-          </a:p>
-          <a:p>
-            <a:pPr marL="180000" indent="-478483">
-              <a:spcBef>
-                <a:spcPts val="300"/>
-              </a:spcBef>
-              <a:buFont typeface="+mj-lt"/>
-              <a:buAutoNum type="arabicPeriod"/>
-            </a:pPr>
-            <a:endParaRPr lang="en-GB" sz="500" dirty="0"/>
+            <a:endParaRPr lang="en-GB" dirty="0"/>
           </a:p>
         </p:txBody>
       </p:sp>
     </p:spTree>
-    <p:extLst>
-      <p:ext uri="{BB962C8B-B14F-4D97-AF65-F5344CB8AC3E}">
-        <p14:creationId xmlns:p14="http://schemas.microsoft.com/office/powerpoint/2010/main" val="21571518"/>
-      </p:ext>
-    </p:extLst>
   </p:cSld>
   <p:clrMapOvr>
     <a:masterClrMapping/>
@@ -9345,6 +9142,479 @@
             <a:spLocks noGrp="1"/>
           </p:cNvSpPr>
           <p:nvPr>
+            <p:ph type="title"/>
+          </p:nvPr>
+        </p:nvSpPr>
+        <p:spPr/>
+        <p:txBody>
+          <a:bodyPr>
+            <a:normAutofit/>
+          </a:bodyPr>
+          <a:lstStyle/>
+          <a:p>
+            <a:r>
+              <a:rPr lang="en-GB" dirty="0" smtClean="0"/>
+              <a:t>Videos...</a:t>
+            </a:r>
+            <a:endParaRPr lang="en-GB" dirty="0"/>
+          </a:p>
+        </p:txBody>
+      </p:sp>
+      <p:sp>
+        <p:nvSpPr>
+          <p:cNvPr id="3" name="Content Placeholder 2"/>
+          <p:cNvSpPr>
+            <a:spLocks noGrp="1"/>
+          </p:cNvSpPr>
+          <p:nvPr>
+            <p:ph idx="1"/>
+          </p:nvPr>
+        </p:nvSpPr>
+        <p:spPr>
+          <a:xfrm>
+            <a:off x="467544" y="987574"/>
+            <a:ext cx="6447501" cy="4111476"/>
+          </a:xfrm>
+          <a:solidFill>
+            <a:schemeClr val="bg1"/>
+          </a:solidFill>
+        </p:spPr>
+        <p:txBody>
+          <a:bodyPr>
+            <a:noAutofit/>
+          </a:bodyPr>
+          <a:lstStyle/>
+          <a:p>
+            <a:pPr marL="180000" indent="-478483">
+              <a:spcBef>
+                <a:spcPts val="300"/>
+              </a:spcBef>
+              <a:buFont typeface="+mj-lt"/>
+              <a:buAutoNum type="arabicPeriod"/>
+            </a:pPr>
+            <a:r>
+              <a:rPr lang="en-GB" sz="1100" dirty="0"/>
+              <a:t>Install the hardware and make the board work – three LED programs</a:t>
+            </a:r>
+          </a:p>
+          <a:p>
+            <a:pPr marL="180000" indent="-478483">
+              <a:spcBef>
+                <a:spcPts val="300"/>
+              </a:spcBef>
+              <a:buFont typeface="+mj-lt"/>
+              <a:buAutoNum type="arabicPeriod"/>
+            </a:pPr>
+            <a:r>
+              <a:rPr lang="en-GB" sz="1100" dirty="0"/>
+              <a:t>Make  four LEDs flash in a sequence</a:t>
+            </a:r>
+          </a:p>
+          <a:p>
+            <a:pPr marL="180000" indent="-478483">
+              <a:spcBef>
+                <a:spcPts val="300"/>
+              </a:spcBef>
+              <a:buFont typeface="+mj-lt"/>
+              <a:buAutoNum type="arabicPeriod"/>
+            </a:pPr>
+            <a:r>
+              <a:rPr lang="en-GB" sz="1100" dirty="0"/>
+              <a:t>Set the LEDs to represent the value of ADC</a:t>
+            </a:r>
+          </a:p>
+          <a:p>
+            <a:pPr marL="180000" indent="-478483">
+              <a:spcBef>
+                <a:spcPts val="300"/>
+              </a:spcBef>
+              <a:buFont typeface="+mj-lt"/>
+              <a:buAutoNum type="arabicPeriod"/>
+            </a:pPr>
+            <a:r>
+              <a:rPr lang="en-GB" sz="1100" dirty="0"/>
+              <a:t>Sequence the LEDs with a delay using the value of ADC</a:t>
+            </a:r>
+          </a:p>
+          <a:p>
+            <a:pPr marL="180000" indent="-478483">
+              <a:spcBef>
+                <a:spcPts val="300"/>
+              </a:spcBef>
+              <a:buFont typeface="+mj-lt"/>
+              <a:buAutoNum type="arabicPeriod"/>
+            </a:pPr>
+            <a:r>
+              <a:rPr lang="en-GB" sz="1100" dirty="0"/>
+              <a:t>Using an input to set the state of the LEDs</a:t>
+            </a:r>
+          </a:p>
+          <a:p>
+            <a:pPr marL="180000" indent="-478483">
+              <a:spcBef>
+                <a:spcPts val="300"/>
+              </a:spcBef>
+              <a:buFont typeface="+mj-lt"/>
+              <a:buAutoNum type="arabicPeriod"/>
+            </a:pPr>
+            <a:r>
+              <a:rPr lang="en-GB" sz="1100" dirty="0"/>
+              <a:t>Using the reset switch</a:t>
+            </a:r>
+          </a:p>
+          <a:p>
+            <a:pPr marL="180000" indent="-478483">
+              <a:spcBef>
+                <a:spcPts val="300"/>
+              </a:spcBef>
+              <a:buFont typeface="+mj-lt"/>
+              <a:buAutoNum type="arabicPeriod"/>
+            </a:pPr>
+            <a:r>
+              <a:rPr lang="en-GB" sz="1100" dirty="0"/>
+              <a:t>Using the switch, ADC – make the LEDs flash in a sequence with reverse</a:t>
+            </a:r>
+          </a:p>
+          <a:p>
+            <a:pPr marL="180000" indent="-478483">
+              <a:spcBef>
+                <a:spcPts val="300"/>
+              </a:spcBef>
+              <a:buFont typeface="+mj-lt"/>
+              <a:buAutoNum type="arabicPeriod"/>
+            </a:pPr>
+            <a:r>
+              <a:rPr lang="en-GB" sz="1100" dirty="0"/>
+              <a:t>Using the serial to display values</a:t>
+            </a:r>
+          </a:p>
+          <a:p>
+            <a:pPr marL="180000" indent="-478483">
+              <a:spcBef>
+                <a:spcPts val="300"/>
+              </a:spcBef>
+              <a:buFont typeface="+mj-lt"/>
+              <a:buAutoNum type="arabicPeriod"/>
+            </a:pPr>
+            <a:r>
+              <a:rPr lang="en-GB" sz="1100" dirty="0"/>
+              <a:t>Using the </a:t>
+            </a:r>
+            <a:r>
+              <a:rPr lang="en-GB" sz="1100" dirty="0" smtClean="0"/>
+              <a:t>timer0 </a:t>
+            </a:r>
+            <a:r>
+              <a:rPr lang="en-GB" sz="1100" dirty="0"/>
+              <a:t>overflow, 8bit timer, 16bit timer to flash the LEDs</a:t>
+            </a:r>
+          </a:p>
+          <a:p>
+            <a:pPr marL="180000" indent="-478483">
+              <a:spcBef>
+                <a:spcPts val="300"/>
+              </a:spcBef>
+              <a:buFont typeface="+mj-lt"/>
+              <a:buAutoNum type="arabicPeriod"/>
+            </a:pPr>
+            <a:r>
+              <a:rPr lang="en-GB" sz="1100" dirty="0"/>
+              <a:t>Using EEProm – showing values on the serial terminal, and more constants insights</a:t>
+            </a:r>
+          </a:p>
+          <a:p>
+            <a:pPr marL="180000" indent="-478483">
+              <a:spcBef>
+                <a:spcPts val="300"/>
+              </a:spcBef>
+              <a:buFont typeface="+mj-lt"/>
+              <a:buAutoNum type="arabicPeriod"/>
+            </a:pPr>
+            <a:r>
+              <a:rPr lang="en-GB" sz="1100" dirty="0"/>
+              <a:t>Using I2C with serial to discover I2C devices</a:t>
+            </a:r>
+          </a:p>
+          <a:p>
+            <a:pPr marL="180000" indent="-478483">
+              <a:spcBef>
+                <a:spcPts val="300"/>
+              </a:spcBef>
+              <a:buFont typeface="+mj-lt"/>
+              <a:buAutoNum type="arabicPeriod"/>
+            </a:pPr>
+            <a:r>
+              <a:rPr lang="en-GB" sz="1100" dirty="0"/>
+              <a:t>Using </a:t>
+            </a:r>
+            <a:r>
+              <a:rPr lang="en-GB" sz="1100" dirty="0" smtClean="0"/>
+              <a:t>I2C </a:t>
+            </a:r>
+            <a:r>
+              <a:rPr lang="en-GB" sz="1100" dirty="0"/>
+              <a:t>GCLD </a:t>
+            </a:r>
+            <a:r>
+              <a:rPr lang="en-GB" sz="1100" dirty="0" smtClean="0"/>
+              <a:t>display solutions</a:t>
+            </a:r>
+            <a:endParaRPr lang="en-GB" sz="1100" dirty="0"/>
+          </a:p>
+          <a:p>
+            <a:pPr marL="180000" indent="-478483">
+              <a:spcBef>
+                <a:spcPts val="300"/>
+              </a:spcBef>
+              <a:buFont typeface="+mj-lt"/>
+              <a:buAutoNum type="arabicPeriod"/>
+            </a:pPr>
+            <a:r>
+              <a:rPr lang="en-GB" sz="1100" dirty="0"/>
+              <a:t>Using a </a:t>
+            </a:r>
+            <a:r>
+              <a:rPr lang="en-GB" sz="1100" dirty="0" smtClean="0"/>
+              <a:t>SPI GLCD  display solutions</a:t>
+            </a:r>
+            <a:endParaRPr lang="en-GB" sz="1100" dirty="0"/>
+          </a:p>
+          <a:p>
+            <a:pPr marL="180000" indent="-478483">
+              <a:spcBef>
+                <a:spcPts val="300"/>
+              </a:spcBef>
+              <a:buFont typeface="+mj-lt"/>
+              <a:buAutoNum type="arabicPeriod"/>
+            </a:pPr>
+            <a:r>
+              <a:rPr lang="en-GB" sz="1100" dirty="0"/>
+              <a:t>Using PWM, </a:t>
+            </a:r>
+            <a:r>
+              <a:rPr lang="en-GB" sz="1100" dirty="0" smtClean="0"/>
+              <a:t>6  </a:t>
+            </a:r>
+            <a:r>
+              <a:rPr lang="en-GB" sz="1100" dirty="0"/>
+              <a:t>ways,  to dim the LEDS</a:t>
+            </a:r>
+          </a:p>
+          <a:p>
+            <a:pPr marL="180000" indent="-478483">
+              <a:spcBef>
+                <a:spcPts val="300"/>
+              </a:spcBef>
+              <a:buFont typeface="+mj-lt"/>
+              <a:buAutoNum type="arabicPeriod"/>
+            </a:pPr>
+            <a:r>
+              <a:rPr lang="en-GB" sz="1100" dirty="0"/>
+              <a:t>Using an external interrupt to control an LED</a:t>
+            </a:r>
+          </a:p>
+          <a:p>
+            <a:pPr marL="180000" indent="-478483">
+              <a:spcBef>
+                <a:spcPts val="300"/>
+              </a:spcBef>
+              <a:buFont typeface="+mj-lt"/>
+              <a:buAutoNum type="arabicPeriod"/>
+            </a:pPr>
+            <a:r>
+              <a:rPr lang="en-GB" sz="1100" dirty="0"/>
+              <a:t>Using storage within the </a:t>
+            </a:r>
+            <a:r>
+              <a:rPr lang="en-GB" sz="1100" dirty="0" smtClean="0"/>
+              <a:t>chip</a:t>
+            </a:r>
+          </a:p>
+          <a:p>
+            <a:pPr marL="180000" indent="-478483">
+              <a:spcBef>
+                <a:spcPts val="300"/>
+              </a:spcBef>
+              <a:buFont typeface="+mj-lt"/>
+              <a:buAutoNum type="arabicPeriod"/>
+            </a:pPr>
+            <a:r>
+              <a:rPr lang="en-GB" sz="1100" dirty="0" smtClean="0"/>
+              <a:t>Using </a:t>
+            </a:r>
+            <a:r>
+              <a:rPr lang="en-GB" sz="1100" dirty="0"/>
+              <a:t>CLC</a:t>
+            </a:r>
+          </a:p>
+          <a:p>
+            <a:pPr marL="180000" indent="-478483">
+              <a:spcBef>
+                <a:spcPts val="300"/>
+              </a:spcBef>
+              <a:buFont typeface="+mj-lt"/>
+              <a:buAutoNum type="arabicPeriod"/>
+            </a:pPr>
+            <a:r>
+              <a:rPr lang="en-GB" sz="1100" dirty="0"/>
+              <a:t>The GCBASIC tool chain</a:t>
+            </a:r>
+          </a:p>
+          <a:p>
+            <a:pPr marL="180000" indent="-478483">
+              <a:spcBef>
+                <a:spcPts val="300"/>
+              </a:spcBef>
+              <a:buFont typeface="+mj-lt"/>
+              <a:buAutoNum type="arabicPeriod"/>
+            </a:pPr>
+            <a:r>
+              <a:rPr lang="en-GB" sz="1100" dirty="0"/>
+              <a:t>Assembly , alternatives assemblers and Debugging</a:t>
+            </a:r>
+          </a:p>
+          <a:p>
+            <a:pPr marL="180000" indent="-478483">
+              <a:spcBef>
+                <a:spcPts val="300"/>
+              </a:spcBef>
+              <a:buFont typeface="+mj-lt"/>
+              <a:buAutoNum type="arabicPeriod"/>
+            </a:pPr>
+            <a:r>
+              <a:rPr lang="en-GB" sz="1100" b="1" dirty="0"/>
+              <a:t>Summary</a:t>
+            </a:r>
+          </a:p>
+          <a:p>
+            <a:pPr marL="180000" indent="-478483">
+              <a:spcBef>
+                <a:spcPts val="300"/>
+              </a:spcBef>
+              <a:buFont typeface="+mj-lt"/>
+              <a:buAutoNum type="arabicPeriod"/>
+            </a:pPr>
+            <a:endParaRPr lang="en-GB" sz="400" dirty="0" smtClean="0">
+              <a:solidFill>
+                <a:schemeClr val="bg1">
+                  <a:lumMod val="75000"/>
+                </a:schemeClr>
+              </a:solidFill>
+            </a:endParaRPr>
+          </a:p>
+          <a:p>
+            <a:pPr marL="180000" indent="-478483">
+              <a:spcBef>
+                <a:spcPts val="300"/>
+              </a:spcBef>
+              <a:buNone/>
+            </a:pPr>
+            <a:endParaRPr lang="en-GB" sz="700" dirty="0" smtClean="0"/>
+          </a:p>
+          <a:p>
+            <a:pPr marL="180000" indent="-478483">
+              <a:spcBef>
+                <a:spcPts val="300"/>
+              </a:spcBef>
+              <a:buFont typeface="+mj-lt"/>
+              <a:buAutoNum type="arabicPeriod"/>
+            </a:pPr>
+            <a:endParaRPr lang="en-GB" sz="700" dirty="0" smtClean="0"/>
+          </a:p>
+          <a:p>
+            <a:pPr marL="180000" indent="-478483">
+              <a:spcBef>
+                <a:spcPts val="300"/>
+              </a:spcBef>
+              <a:buFont typeface="+mj-lt"/>
+              <a:buAutoNum type="arabicPeriod"/>
+            </a:pPr>
+            <a:endParaRPr lang="en-GB" sz="500" dirty="0" smtClean="0"/>
+          </a:p>
+          <a:p>
+            <a:pPr marL="180000" indent="-478483">
+              <a:spcBef>
+                <a:spcPts val="300"/>
+              </a:spcBef>
+              <a:buFont typeface="+mj-lt"/>
+              <a:buAutoNum type="arabicPeriod"/>
+            </a:pPr>
+            <a:endParaRPr lang="en-GB" sz="500" dirty="0" smtClean="0"/>
+          </a:p>
+          <a:p>
+            <a:pPr marL="180000" indent="-478483">
+              <a:spcBef>
+                <a:spcPts val="300"/>
+              </a:spcBef>
+              <a:buFont typeface="+mj-lt"/>
+              <a:buAutoNum type="arabicPeriod"/>
+            </a:pPr>
+            <a:endParaRPr lang="en-GB" sz="500" dirty="0" smtClean="0"/>
+          </a:p>
+          <a:p>
+            <a:pPr marL="180000" indent="-478483">
+              <a:spcBef>
+                <a:spcPts val="300"/>
+              </a:spcBef>
+              <a:buFont typeface="+mj-lt"/>
+              <a:buAutoNum type="arabicPeriod"/>
+            </a:pPr>
+            <a:endParaRPr lang="en-GB" sz="500" dirty="0"/>
+          </a:p>
+        </p:txBody>
+      </p:sp>
+    </p:spTree>
+    <p:extLst>
+      <p:ext uri="{BB962C8B-B14F-4D97-AF65-F5344CB8AC3E}">
+        <p14:creationId xmlns:p14="http://schemas.microsoft.com/office/powerpoint/2010/main" val="21571518"/>
+      </p:ext>
+    </p:extLst>
+  </p:cSld>
+  <p:clrMapOvr>
+    <a:masterClrMapping/>
+  </p:clrMapOvr>
+  <mc:AlternateContent xmlns:mc="http://schemas.openxmlformats.org/markup-compatibility/2006" xmlns:p14="http://schemas.microsoft.com/office/powerpoint/2010/main">
+    <mc:Choice Requires="p14">
+      <p:transition spd="slow" p14:dur="2000"/>
+    </mc:Choice>
+    <mc:Fallback xmlns="">
+      <p:transition spd="slow"/>
+    </mc:Fallback>
+  </mc:AlternateContent>
+  <p:timing>
+    <p:tnLst>
+      <p:par>
+        <p:cTn id="1" dur="indefinite" restart="never" nodeType="tmRoot"/>
+      </p:par>
+    </p:tnLst>
+  </p:timing>
+</p:sld>
+</file>
+
+<file path=ppt/slides/slide14.xml><?xml version="1.0" encoding="utf-8"?>
+<p:sld xmlns:a="http://schemas.openxmlformats.org/drawingml/2006/main" xmlns:r="http://schemas.openxmlformats.org/officeDocument/2006/relationships" xmlns:p="http://schemas.openxmlformats.org/presentationml/2006/main">
+  <p:cSld>
+    <p:spTree>
+      <p:nvGrpSpPr>
+        <p:cNvPr id="1" name=""/>
+        <p:cNvGrpSpPr/>
+        <p:nvPr/>
+      </p:nvGrpSpPr>
+      <p:grpSpPr>
+        <a:xfrm>
+          <a:off x="0" y="0"/>
+          <a:ext cx="0" cy="0"/>
+          <a:chOff x="0" y="0"/>
+          <a:chExt cx="0" cy="0"/>
+        </a:xfrm>
+      </p:grpSpPr>
+      <p:sp>
+        <p:nvSpPr>
+          <p:cNvPr id="2" name="Title 1"/>
+          <p:cNvSpPr>
+            <a:spLocks noGrp="1"/>
+          </p:cNvSpPr>
+          <p:nvPr>
             <p:ph type="ctrTitle"/>
           </p:nvPr>
         </p:nvSpPr>
@@ -9660,7 +9930,7 @@
           <a:p>
             <a:r>
               <a:rPr lang="en-GB" dirty="0" smtClean="0"/>
-              <a:t>PIC18FxxQ24</a:t>
+              <a:t>PIC16fF175xx</a:t>
             </a:r>
           </a:p>
           <a:p>
@@ -9674,7 +9944,7 @@
       </p:sp>
       <p:pic>
         <p:nvPicPr>
-          <p:cNvPr id="10" name="Picture 2" descr="PIC18F26Q24"/>
+          <p:cNvPr id="7" name="Picture 4" descr="PIC16F17556 | Microchip Technology"/>
           <p:cNvPicPr>
             <a:picLocks noChangeAspect="1" noChangeArrowheads="1"/>
           </p:cNvPicPr>
@@ -9695,8 +9965,8 @@
         </p:blipFill>
         <p:spPr bwMode="auto">
           <a:xfrm>
-            <a:off x="1907705" y="4116163"/>
-            <a:ext cx="1280738" cy="922132"/>
+            <a:off x="6756864" y="3922804"/>
+            <a:ext cx="2415427" cy="1178257"/>
           </a:xfrm>
           <a:prstGeom prst="rect">
             <a:avLst/>
@@ -10080,21 +10350,24 @@
           <a:p>
             <a:r>
               <a:rPr lang="en-GB" dirty="0" smtClean="0"/>
-              <a:t>PIC18FxxQ24</a:t>
+              <a:t>PIC16fF175xx</a:t>
             </a:r>
           </a:p>
           <a:p>
             <a:r>
               <a:rPr lang="en-GB" dirty="0" smtClean="0"/>
-              <a:t>Part 19 - Assembly , alternatives assemblers and MPLAB-X</a:t>
-            </a:r>
-            <a:endParaRPr lang="en-GB" dirty="0"/>
+              <a:t>Part 19 - Assembly , alternatives assemblers </a:t>
+            </a:r>
+            <a:r>
+              <a:rPr lang="en-GB" dirty="0"/>
+              <a:t>and Debugging</a:t>
+            </a:r>
           </a:p>
         </p:txBody>
       </p:sp>
       <p:pic>
         <p:nvPicPr>
-          <p:cNvPr id="10" name="Picture 2" descr="PIC18F26Q24"/>
+          <p:cNvPr id="7" name="Picture 4" descr="PIC16F17556 | Microchip Technology"/>
           <p:cNvPicPr>
             <a:picLocks noChangeAspect="1" noChangeArrowheads="1"/>
           </p:cNvPicPr>
@@ -10115,8 +10388,8 @@
         </p:blipFill>
         <p:spPr bwMode="auto">
           <a:xfrm>
-            <a:off x="1907705" y="4116163"/>
-            <a:ext cx="1280738" cy="922132"/>
+            <a:off x="6756864" y="3922804"/>
+            <a:ext cx="2415427" cy="1178257"/>
           </a:xfrm>
           <a:prstGeom prst="rect">
             <a:avLst/>
@@ -10329,9 +10602,38 @@
           </a:p>
         </p:txBody>
       </p:sp>
+      <p:sp>
+        <p:nvSpPr>
+          <p:cNvPr id="11" name="Date Placeholder 3"/>
+          <p:cNvSpPr>
+            <a:spLocks noGrp="1"/>
+          </p:cNvSpPr>
+          <p:nvPr>
+            <p:ph type="dt" sz="half" idx="10"/>
+          </p:nvPr>
+        </p:nvSpPr>
+        <p:spPr>
+          <a:xfrm>
+            <a:off x="6113182" y="4384422"/>
+            <a:ext cx="354882" cy="305233"/>
+          </a:xfrm>
+        </p:spPr>
+        <p:txBody>
+          <a:bodyPr/>
+          <a:lstStyle/>
+          <a:p>
+            <a:fld id="{1E700B27-DE4C-4B9E-BB11-B9027034A00F}" type="datetimeFigureOut">
+              <a:rPr lang="en-US" smtClean="0"/>
+              <a:pPr/>
+              <a:t>1/25/2026</a:t>
+            </a:fld>
+            <a:endParaRPr lang="en-US" dirty="0"/>
+          </a:p>
+        </p:txBody>
+      </p:sp>
       <p:pic>
         <p:nvPicPr>
-          <p:cNvPr id="8" name="Picture 2" descr="PIC18F26Q24"/>
+          <p:cNvPr id="9" name="Picture 4" descr="PIC16F17556 | Microchip Technology"/>
           <p:cNvPicPr>
             <a:picLocks noChangeAspect="1" noChangeArrowheads="1"/>
           </p:cNvPicPr>
@@ -10352,8 +10654,8 @@
         </p:blipFill>
         <p:spPr bwMode="auto">
           <a:xfrm>
-            <a:off x="1907705" y="4116163"/>
-            <a:ext cx="1280738" cy="922132"/>
+            <a:off x="6756864" y="3922804"/>
+            <a:ext cx="2415427" cy="1178257"/>
           </a:xfrm>
           <a:prstGeom prst="rect">
             <a:avLst/>
@@ -10370,76 +10672,6 @@
           </a:extLst>
         </p:spPr>
       </p:pic>
-      <p:pic>
-        <p:nvPicPr>
-          <p:cNvPr id="10" name="Picture 8" descr="C:\Users\admin\OneDrive\Desktop\Picture1.jpg"/>
-          <p:cNvPicPr>
-            <a:picLocks noChangeAspect="1" noChangeArrowheads="1"/>
-          </p:cNvPicPr>
-          <p:nvPr/>
-        </p:nvPicPr>
-        <p:blipFill>
-          <a:blip r:embed="rId4">
-            <a:extLst>
-              <a:ext uri="{28A0092B-C50C-407E-A947-70E740481C1C}">
-                <a14:useLocalDpi xmlns:a14="http://schemas.microsoft.com/office/drawing/2010/main" val="0"/>
-              </a:ext>
-            </a:extLst>
-          </a:blip>
-          <a:srcRect/>
-          <a:stretch>
-            <a:fillRect/>
-          </a:stretch>
-        </p:blipFill>
-        <p:spPr bwMode="auto">
-          <a:xfrm>
-            <a:off x="3995936" y="3937587"/>
-            <a:ext cx="2320300" cy="1129258"/>
-          </a:xfrm>
-          <a:prstGeom prst="rect">
-            <a:avLst/>
-          </a:prstGeom>
-          <a:noFill/>
-          <a:extLst>
-            <a:ext uri="{909E8E84-426E-40DD-AFC4-6F175D3DCCD1}">
-              <a14:hiddenFill xmlns:a14="http://schemas.microsoft.com/office/drawing/2010/main">
-                <a:solidFill>
-                  <a:srgbClr val="FFFFFF"/>
-                </a:solidFill>
-              </a14:hiddenFill>
-            </a:ext>
-          </a:extLst>
-        </p:spPr>
-      </p:pic>
-      <p:sp>
-        <p:nvSpPr>
-          <p:cNvPr id="11" name="Date Placeholder 3"/>
-          <p:cNvSpPr>
-            <a:spLocks noGrp="1"/>
-          </p:cNvSpPr>
-          <p:nvPr>
-            <p:ph type="dt" sz="half" idx="10"/>
-          </p:nvPr>
-        </p:nvSpPr>
-        <p:spPr>
-          <a:xfrm>
-            <a:off x="6113182" y="4384422"/>
-            <a:ext cx="354882" cy="305233"/>
-          </a:xfrm>
-        </p:spPr>
-        <p:txBody>
-          <a:bodyPr/>
-          <a:lstStyle/>
-          <a:p>
-            <a:fld id="{1E700B27-DE4C-4B9E-BB11-B9027034A00F}" type="datetimeFigureOut">
-              <a:rPr lang="en-US" smtClean="0"/>
-              <a:pPr/>
-              <a:t>12/14/2024</a:t>
-            </a:fld>
-            <a:endParaRPr lang="en-US" dirty="0"/>
-          </a:p>
-        </p:txBody>
-      </p:sp>
     </p:spTree>
     <p:extLst>
       <p:ext uri="{BB962C8B-B14F-4D97-AF65-F5344CB8AC3E}">
@@ -10502,10 +10734,9 @@
           <a:p>
             <a:pPr algn="l"/>
             <a:r>
-              <a:rPr lang="en-GB" dirty="0" smtClean="0"/>
-              <a:t>PIC18FxxQ24</a:t>
-            </a:r>
-            <a:endParaRPr lang="en-GB" dirty="0"/>
+              <a:rPr lang="en-GB" dirty="0"/>
+              <a:t>PIC16F175xx</a:t>
+            </a:r>
           </a:p>
         </p:txBody>
       </p:sp>
@@ -10522,79 +10753,137 @@
         <p:spPr/>
         <p:txBody>
           <a:bodyPr>
-            <a:normAutofit fontScale="92500" lnSpcReduction="10000"/>
+            <a:normAutofit fontScale="92500"/>
           </a:bodyPr>
           <a:lstStyle/>
           <a:p>
             <a:r>
-              <a:rPr lang="en-GB" dirty="0" smtClean="0"/>
-              <a:t>PIC18-Q24 is a high performance PIC18 </a:t>
+              <a:rPr lang="en-GB"/>
+              <a:t>PIC16175xx  </a:t>
+            </a:r>
+            <a:r>
+              <a:rPr lang="en-GB" dirty="0"/>
+              <a:t>is a high performance PIC16</a:t>
             </a:r>
           </a:p>
           <a:p>
             <a:pPr lvl="1"/>
             <a:r>
-              <a:rPr lang="en-GB" dirty="0" smtClean="0"/>
-              <a:t>Digital and Analog peripherals </a:t>
+              <a:rPr lang="en-GB" b="1" dirty="0"/>
+              <a:t>Digital and </a:t>
+            </a:r>
+            <a:r>
+              <a:rPr lang="en-GB" b="1" dirty="0" err="1"/>
+              <a:t>analog</a:t>
+            </a:r>
+            <a:r>
+              <a:rPr lang="en-GB" b="1" dirty="0"/>
+              <a:t> peripherals</a:t>
+            </a:r>
+            <a:r>
+              <a:rPr lang="en-GB" dirty="0"/>
+              <a:t> for flexible embedded control</a:t>
             </a:r>
           </a:p>
           <a:p>
             <a:pPr lvl="1"/>
             <a:r>
-              <a:rPr lang="en-GB" dirty="0" smtClean="0"/>
+              <a:rPr lang="en-GB" b="1" dirty="0"/>
               <a:t>10-bit ADC</a:t>
             </a:r>
+            <a:r>
+              <a:rPr lang="en-GB" dirty="0"/>
+              <a:t> for accurate </a:t>
+            </a:r>
+            <a:r>
+              <a:rPr lang="en-GB" dirty="0" err="1"/>
+              <a:t>analog</a:t>
+            </a:r>
+            <a:r>
+              <a:rPr lang="en-GB" dirty="0"/>
+              <a:t> signal conversion</a:t>
+            </a:r>
           </a:p>
           <a:p>
             <a:pPr lvl="1"/>
             <a:r>
-              <a:rPr lang="en-GB" dirty="0" smtClean="0"/>
+              <a:rPr lang="en-GB" b="1" dirty="0"/>
               <a:t>Multiple communication interfaces</a:t>
             </a:r>
-          </a:p>
-          <a:p>
-            <a:pPr lvl="2"/>
-            <a:r>
-              <a:rPr lang="en-GB" dirty="0" smtClean="0"/>
-              <a:t>Serial, I2C and  SPI </a:t>
-            </a:r>
-          </a:p>
-          <a:p>
-            <a:pPr lvl="2"/>
-            <a:r>
-              <a:rPr lang="en-GB" dirty="0" smtClean="0"/>
-              <a:t>PWM – CCP/PWM and 16Bit</a:t>
+            <a:r>
+              <a:rPr lang="en-GB" dirty="0"/>
+              <a:t> including UART (serial), I²C, and SPI</a:t>
             </a:r>
           </a:p>
           <a:p>
             <a:pPr lvl="1"/>
             <a:r>
-              <a:rPr lang="en-GB" dirty="0" smtClean="0"/>
-              <a:t>Configurable Logic Cells</a:t>
+              <a:rPr lang="en-GB" b="1" dirty="0"/>
+              <a:t>PWM modules</a:t>
+            </a:r>
+            <a:r>
+              <a:rPr lang="en-GB" dirty="0"/>
+              <a:t> with CCP and 16-bit resolution for precise timing and motor control</a:t>
             </a:r>
           </a:p>
           <a:p>
             <a:pPr lvl="1"/>
             <a:r>
-              <a:rPr lang="en-GB" dirty="0" smtClean="0"/>
-              <a:t>Multi voltage domains</a:t>
-            </a:r>
-          </a:p>
-          <a:p>
-            <a:endParaRPr lang="en-GB" dirty="0" smtClean="0"/>
-          </a:p>
-          <a:p>
-            <a:r>
-              <a:rPr lang="en-GB" dirty="0" smtClean="0"/>
-              <a:t>The PIC18xxQ24 offers 28, 40 and 48-pin products in small footprint packages to support customers in a wide variety of applications. </a:t>
+              <a:rPr lang="en-GB" b="1" dirty="0"/>
+              <a:t>Configurable Logic Cells (CLCs)</a:t>
+            </a:r>
+            <a:r>
+              <a:rPr lang="en-GB" dirty="0"/>
+              <a:t> for custom hardware-level logic without external components</a:t>
+            </a:r>
+          </a:p>
+          <a:p>
+            <a:pPr lvl="1"/>
+            <a:r>
+              <a:rPr lang="en-GB" b="1" dirty="0"/>
+              <a:t>Integrated op amps</a:t>
+            </a:r>
+            <a:r>
+              <a:rPr lang="en-GB" dirty="0"/>
+              <a:t> for </a:t>
+            </a:r>
+            <a:r>
+              <a:rPr lang="en-GB" dirty="0" err="1"/>
+              <a:t>onboard</a:t>
+            </a:r>
+            <a:r>
+              <a:rPr lang="en-GB" dirty="0"/>
+              <a:t> </a:t>
+            </a:r>
+            <a:r>
+              <a:rPr lang="en-GB" dirty="0" err="1"/>
+              <a:t>analog</a:t>
+            </a:r>
+            <a:r>
+              <a:rPr lang="en-GB" dirty="0"/>
+              <a:t> signal conditioning and amplification</a:t>
             </a:r>
           </a:p>
           <a:p>
             <a:endParaRPr lang="en-GB" dirty="0"/>
           </a:p>
+          <a:p>
+            <a:r>
+              <a:rPr lang="en-GB" dirty="0"/>
+              <a:t>The PIC16175xx offers 14, 20, 28, 40 and 44-pin products in small footprint packages to support customers in a wide variety of applications. </a:t>
+            </a:r>
+          </a:p>
+          <a:p>
+            <a:endParaRPr lang="en-GB" dirty="0"/>
+          </a:p>
         </p:txBody>
       </p:sp>
     </p:spTree>
+    <p:extLst>
+      <p:ext uri="{BB962C8B-B14F-4D97-AF65-F5344CB8AC3E}">
+        <p14:creationId xmlns:p14="http://schemas.microsoft.com/office/powerpoint/2010/main" val="3092560995"/>
+      </p:ext>
+    </p:extLst>
   </p:cSld>
   <p:clrMapOvr>
     <a:masterClrMapping/>
@@ -10969,8 +11258,9 @@
             </a:pPr>
             <a:r>
               <a:rPr lang="en-GB" sz="1100" b="1" dirty="0"/>
-              <a:t>Assembly , alternatives assemblers and MPLAB-X</a:t>
-            </a:r>
+              <a:t>Assembly , alternatives assemblers and Debugging</a:t>
+            </a:r>
+            <a:endParaRPr lang="en-GB" sz="1100" b="1" dirty="0" smtClean="0"/>
           </a:p>
           <a:p>
             <a:pPr marL="180000" indent="-478483">
@@ -10981,7 +11271,7 @@
               <a:buAutoNum type="arabicPeriod"/>
             </a:pPr>
             <a:r>
-              <a:rPr lang="en-GB" sz="1100" dirty="0"/>
+              <a:rPr lang="en-GB" sz="1100" dirty="0" smtClean="0"/>
               <a:t>Summary</a:t>
             </a:r>
           </a:p>
@@ -11187,7 +11477,7 @@
         </p:nvSpPr>
         <p:spPr>
           <a:xfrm>
-            <a:off x="4139952" y="1491632"/>
+            <a:off x="3707904" y="1923677"/>
             <a:ext cx="3960440" cy="2178773"/>
           </a:xfrm>
           <a:prstGeom prst="rect">
@@ -11212,7 +11502,7 @@
           <a:p>
             <a:r>
               <a:rPr lang="en-GB" dirty="0" smtClean="0"/>
-              <a:t>GCBASIC now supports the 18FxxQ24 chip family</a:t>
+              <a:t>GCBASIC now supports the 16fF175xx chip family</a:t>
             </a:r>
           </a:p>
           <a:p>
@@ -11352,13 +11642,15 @@
         </p:nvSpPr>
         <p:spPr>
           <a:xfrm>
-            <a:off x="4139952" y="1491632"/>
+            <a:off x="4139952" y="1779662"/>
             <a:ext cx="3960440" cy="2178773"/>
           </a:xfrm>
           <a:prstGeom prst="rect">
             <a:avLst/>
           </a:prstGeom>
-          <a:noFill/>
+          <a:solidFill>
+            <a:schemeClr val="bg1"/>
+          </a:solidFill>
         </p:spPr>
         <p:txBody>
           <a:bodyPr wrap="square" lIns="85064" tIns="42531" rIns="85064" bIns="42531" rtlCol="0">
@@ -11377,7 +11669,7 @@
           <a:p>
             <a:r>
               <a:rPr lang="en-GB" dirty="0" smtClean="0"/>
-              <a:t>GCBASIC now supports the 18FxxQ24 chip family</a:t>
+              <a:t>GCBASIC now supports the 16fF175xx chip family</a:t>
             </a:r>
           </a:p>
           <a:p>
@@ -13163,8 +13455,8 @@
         </p:nvSpPr>
         <p:spPr>
           <a:xfrm>
-            <a:off x="6932476" y="1554068"/>
-            <a:ext cx="1255712" cy="830997"/>
+            <a:off x="6922566" y="1397168"/>
+            <a:ext cx="1255712" cy="1015663"/>
           </a:xfrm>
           <a:prstGeom prst="rect">
             <a:avLst/>
@@ -13184,8 +13476,12 @@
           <a:p>
             <a:pPr algn="ctr"/>
             <a:r>
+              <a:rPr lang="en-GB" sz="1200" b="1" dirty="0" smtClean="0"/>
+              <a:t>PIC-AS</a:t>
+            </a:r>
+            <a:r>
               <a:rPr lang="en-GB" sz="1200" dirty="0" smtClean="0"/>
-              <a:t>PIC-AS, MPASM, </a:t>
+              <a:t>, MPASM, </a:t>
             </a:r>
           </a:p>
           <a:p>
